--- a/python_intro.pptx
+++ b/python_intro.pptx
@@ -18,6 +18,8 @@
     <p:sldId id="266" r:id="rId12"/>
     <p:sldId id="267" r:id="rId13"/>
     <p:sldId id="268" r:id="rId14"/>
+    <p:sldId id="269" r:id="rId15"/>
+    <p:sldId id="270" r:id="rId16"/>
   </p:sldIdLst>
   <p:sldSz cx="9144000" cy="6858000" type="screen4x3"/>
   <p:notesSz cx="6858000" cy="9144000"/>
@@ -4485,24 +4487,14 @@
           <a:p>
             <a:pPr algn="ctr"/>
             <a:r>
-              <a:rPr lang="en-US" dirty="0" err="1" smtClean="0">
+              <a:rPr lang="en-US" dirty="0" smtClean="0">
                 <a:solidFill>
                   <a:srgbClr val="CE0030"/>
                 </a:solidFill>
                 <a:latin typeface="Helvetica Neue Light"/>
                 <a:cs typeface="Helvetica Neue Light"/>
               </a:rPr>
-              <a:t>ARDrone</a:t>
-            </a:r>
-            <a:r>
-              <a:rPr lang="en-US" dirty="0" smtClean="0">
-                <a:solidFill>
-                  <a:srgbClr val="CE0030"/>
-                </a:solidFill>
-                <a:latin typeface="Helvetica Neue Light"/>
-                <a:cs typeface="Helvetica Neue Light"/>
-              </a:rPr>
-              <a:t> </a:t>
+              <a:t>Drone </a:t>
             </a:r>
             <a:r>
               <a:rPr lang="en-US" dirty="0" smtClean="0">
@@ -4663,7 +4655,7 @@
         <p:spPr>
           <a:xfrm>
             <a:off x="336260" y="3124024"/>
-            <a:ext cx="4205866" cy="646331"/>
+            <a:ext cx="4205866" cy="1477328"/>
           </a:xfrm>
           <a:prstGeom prst="rect">
             <a:avLst/>
@@ -4718,6 +4710,105 @@
                 <a:cs typeface="Courier"/>
               </a:rPr>
               <a:t>float</a:t>
+            </a:r>
+            <a:r>
+              <a:rPr lang="en-US" dirty="0" smtClean="0">
+                <a:latin typeface="Courier"/>
+                <a:cs typeface="Courier"/>
+              </a:rPr>
+              <a:t>)</a:t>
+            </a:r>
+          </a:p>
+          <a:p>
+            <a:r>
+              <a:rPr lang="en-US" dirty="0" err="1" smtClean="0">
+                <a:latin typeface="Courier"/>
+                <a:cs typeface="Courier"/>
+              </a:rPr>
+              <a:t>team_name</a:t>
+            </a:r>
+            <a:r>
+              <a:rPr lang="en-US" dirty="0" smtClean="0">
+                <a:latin typeface="Courier"/>
+                <a:cs typeface="Courier"/>
+              </a:rPr>
+              <a:t>			(</a:t>
+            </a:r>
+            <a:r>
+              <a:rPr lang="en-US" dirty="0" smtClean="0">
+                <a:solidFill>
+                  <a:srgbClr val="CE0030"/>
+                </a:solidFill>
+                <a:latin typeface="Courier"/>
+                <a:cs typeface="Courier"/>
+              </a:rPr>
+              <a:t>string</a:t>
+            </a:r>
+            <a:r>
+              <a:rPr lang="en-US" dirty="0" smtClean="0">
+                <a:latin typeface="Courier"/>
+                <a:cs typeface="Courier"/>
+              </a:rPr>
+              <a:t>)</a:t>
+            </a:r>
+          </a:p>
+          <a:p>
+            <a:r>
+              <a:rPr lang="en-US" dirty="0" err="1" smtClean="0">
+                <a:latin typeface="Courier"/>
+                <a:cs typeface="Courier"/>
+              </a:rPr>
+              <a:t>trial_id</a:t>
+            </a:r>
+            <a:r>
+              <a:rPr lang="en-US" dirty="0" smtClean="0">
+                <a:latin typeface="Courier"/>
+                <a:cs typeface="Courier"/>
+              </a:rPr>
+              <a:t>			(</a:t>
+            </a:r>
+            <a:r>
+              <a:rPr lang="en-US" dirty="0" smtClean="0">
+                <a:solidFill>
+                  <a:srgbClr val="CE0030"/>
+                </a:solidFill>
+                <a:latin typeface="Courier"/>
+                <a:cs typeface="Courier"/>
+              </a:rPr>
+              <a:t>string</a:t>
+            </a:r>
+            <a:r>
+              <a:rPr lang="en-US" dirty="0" smtClean="0">
+                <a:latin typeface="Courier"/>
+                <a:cs typeface="Courier"/>
+              </a:rPr>
+              <a:t>)</a:t>
+            </a:r>
+          </a:p>
+          <a:p>
+            <a:r>
+              <a:rPr lang="en-US" dirty="0" err="1" smtClean="0">
+                <a:latin typeface="Courier"/>
+                <a:cs typeface="Courier"/>
+              </a:rPr>
+              <a:t>photo_count</a:t>
+            </a:r>
+            <a:r>
+              <a:rPr lang="en-US" dirty="0" smtClean="0">
+                <a:latin typeface="Courier"/>
+                <a:cs typeface="Courier"/>
+              </a:rPr>
+              <a:t>		(</a:t>
+            </a:r>
+            <a:r>
+              <a:rPr lang="en-US" dirty="0" smtClean="0">
+                <a:solidFill>
+                  <a:srgbClr val="CE0030"/>
+                </a:solidFill>
+                <a:latin typeface="Courier"/>
+                <a:cs typeface="Courier"/>
+              </a:rPr>
+              <a:t>string</a:t>
             </a:r>
             <a:r>
               <a:rPr lang="en-US" dirty="0" smtClean="0">
@@ -5170,7 +5261,7 @@
                 <a:latin typeface="Courier"/>
                 <a:cs typeface="Courier"/>
               </a:rPr>
-              <a:t>libardrone</a:t>
+              <a:t>cardiff_drone</a:t>
             </a:r>
             <a:endParaRPr lang="en-US" dirty="0" smtClean="0">
               <a:latin typeface="Courier"/>
@@ -5203,24 +5294,14 @@
               <a:t>Next, create an object of the </a:t>
             </a:r>
             <a:r>
-              <a:rPr lang="en-US" dirty="0" err="1" smtClean="0">
+              <a:rPr lang="en-US" dirty="0" smtClean="0">
                 <a:solidFill>
                   <a:srgbClr val="CE0030"/>
                 </a:solidFill>
                 <a:latin typeface="Courier"/>
                 <a:cs typeface="Courier"/>
               </a:rPr>
-              <a:t>ARDrone</a:t>
-            </a:r>
-            <a:r>
-              <a:rPr lang="en-US" dirty="0" smtClean="0">
-                <a:solidFill>
-                  <a:srgbClr val="CE0030"/>
-                </a:solidFill>
-                <a:latin typeface="Helvetica Neue Light"/>
-                <a:cs typeface="Helvetica Neue Light"/>
-              </a:rPr>
-              <a:t> </a:t>
+              <a:t>Drone </a:t>
             </a:r>
             <a:r>
               <a:rPr lang="en-US" dirty="0" smtClean="0">
@@ -5268,7 +5349,7 @@
                 <a:latin typeface="Courier"/>
                 <a:cs typeface="Courier"/>
               </a:rPr>
-              <a:t>libardrone.ARDrone</a:t>
+              <a:t>cardiff_drone.Drone</a:t>
             </a:r>
             <a:r>
               <a:rPr lang="en-US" dirty="0" smtClean="0">
@@ -5412,6 +5493,513 @@
     <p:extLst>
       <p:ext uri="{BB962C8B-B14F-4D97-AF65-F5344CB8AC3E}">
         <p14:creationId xmlns:p14="http://schemas.microsoft.com/office/powerpoint/2010/main" val="1234018038"/>
+      </p:ext>
+    </p:extLst>
+  </p:cSld>
+  <p:clrMapOvr>
+    <a:masterClrMapping/>
+  </p:clrMapOvr>
+</p:sld>
+</file>
+
+<file path=ppt/slides/slide14.xml><?xml version="1.0" encoding="utf-8"?>
+<p:sld xmlns:a="http://schemas.openxmlformats.org/drawingml/2006/main" xmlns:r="http://schemas.openxmlformats.org/officeDocument/2006/relationships" xmlns:p="http://schemas.openxmlformats.org/presentationml/2006/main">
+  <p:cSld>
+    <p:spTree>
+      <p:nvGrpSpPr>
+        <p:cNvPr id="1" name=""/>
+        <p:cNvGrpSpPr/>
+        <p:nvPr/>
+      </p:nvGrpSpPr>
+      <p:grpSpPr>
+        <a:xfrm>
+          <a:off x="0" y="0"/>
+          <a:ext cx="0" cy="0"/>
+          <a:chOff x="0" y="0"/>
+          <a:chExt cx="0" cy="0"/>
+        </a:xfrm>
+      </p:grpSpPr>
+      <p:pic>
+        <p:nvPicPr>
+          <p:cNvPr id="5" name="Picture 4"/>
+          <p:cNvPicPr>
+            <a:picLocks noChangeAspect="1"/>
+          </p:cNvPicPr>
+          <p:nvPr/>
+        </p:nvPicPr>
+        <p:blipFill>
+          <a:blip r:embed="rId2"/>
+          <a:stretch>
+            <a:fillRect/>
+          </a:stretch>
+        </p:blipFill>
+        <p:spPr>
+          <a:xfrm>
+            <a:off x="1028352" y="6150019"/>
+            <a:ext cx="542019" cy="542019"/>
+          </a:xfrm>
+          <a:prstGeom prst="rect">
+            <a:avLst/>
+          </a:prstGeom>
+        </p:spPr>
+      </p:pic>
+      <p:pic>
+        <p:nvPicPr>
+          <p:cNvPr id="7" name="Picture 6" descr="logo.jpg"/>
+          <p:cNvPicPr>
+            <a:picLocks noChangeAspect="1"/>
+          </p:cNvPicPr>
+          <p:nvPr/>
+        </p:nvPicPr>
+        <p:blipFill>
+          <a:blip r:embed="rId3">
+            <a:extLst>
+              <a:ext uri="{28A0092B-C50C-407E-A947-70E740481C1C}">
+                <a14:useLocalDpi xmlns:a14="http://schemas.microsoft.com/office/drawing/2010/main" val="0"/>
+              </a:ext>
+            </a:extLst>
+          </a:blip>
+          <a:stretch>
+            <a:fillRect/>
+          </a:stretch>
+        </p:blipFill>
+        <p:spPr>
+          <a:xfrm>
+            <a:off x="150208" y="5998868"/>
+            <a:ext cx="744069" cy="714826"/>
+          </a:xfrm>
+          <a:prstGeom prst="rect">
+            <a:avLst/>
+          </a:prstGeom>
+        </p:spPr>
+      </p:pic>
+      <p:sp>
+        <p:nvSpPr>
+          <p:cNvPr id="15" name="TextBox 14"/>
+          <p:cNvSpPr txBox="1"/>
+          <p:nvPr/>
+        </p:nvSpPr>
+        <p:spPr>
+          <a:xfrm>
+            <a:off x="559872" y="274167"/>
+            <a:ext cx="8029377" cy="707886"/>
+          </a:xfrm>
+          <a:prstGeom prst="rect">
+            <a:avLst/>
+          </a:prstGeom>
+          <a:noFill/>
+        </p:spPr>
+        <p:txBody>
+          <a:bodyPr wrap="square" rtlCol="0">
+            <a:spAutoFit/>
+          </a:bodyPr>
+          <a:lstStyle/>
+          <a:p>
+            <a:pPr algn="ctr"/>
+            <a:r>
+              <a:rPr lang="en-US" sz="4000" dirty="0" smtClean="0">
+                <a:solidFill>
+                  <a:schemeClr val="tx1">
+                    <a:lumMod val="65000"/>
+                    <a:lumOff val="35000"/>
+                  </a:schemeClr>
+                </a:solidFill>
+                <a:latin typeface="Helvetica Neue Light"/>
+                <a:cs typeface="Helvetica Neue Light"/>
+              </a:rPr>
+              <a:t>Example</a:t>
+            </a:r>
+            <a:endParaRPr lang="en-US" sz="4000" dirty="0">
+              <a:solidFill>
+                <a:schemeClr val="tx1">
+                  <a:lumMod val="65000"/>
+                  <a:lumOff val="35000"/>
+                </a:schemeClr>
+              </a:solidFill>
+              <a:latin typeface="Helvetica Neue Light"/>
+              <a:cs typeface="Helvetica Neue Light"/>
+            </a:endParaRPr>
+          </a:p>
+        </p:txBody>
+      </p:sp>
+      <p:sp>
+        <p:nvSpPr>
+          <p:cNvPr id="16" name="TextBox 15"/>
+          <p:cNvSpPr txBox="1"/>
+          <p:nvPr/>
+        </p:nvSpPr>
+        <p:spPr>
+          <a:xfrm>
+            <a:off x="559872" y="1310598"/>
+            <a:ext cx="8029377" cy="2742290"/>
+          </a:xfrm>
+          <a:prstGeom prst="rect">
+            <a:avLst/>
+          </a:prstGeom>
+          <a:noFill/>
+        </p:spPr>
+        <p:txBody>
+          <a:bodyPr wrap="square" rtlCol="0">
+            <a:spAutoFit/>
+          </a:bodyPr>
+          <a:lstStyle/>
+          <a:p>
+            <a:pPr>
+              <a:lnSpc>
+                <a:spcPct val="120000"/>
+              </a:lnSpc>
+            </a:pPr>
+            <a:r>
+              <a:rPr lang="en-US" dirty="0" smtClean="0">
+                <a:latin typeface="Courier"/>
+                <a:cs typeface="Courier"/>
+              </a:rPr>
+              <a:t>&gt;&gt;&gt; import </a:t>
+            </a:r>
+            <a:r>
+              <a:rPr lang="en-US" dirty="0" err="1" smtClean="0">
+                <a:latin typeface="Courier"/>
+                <a:cs typeface="Courier"/>
+              </a:rPr>
+              <a:t>cardiff_drone</a:t>
+            </a:r>
+            <a:endParaRPr lang="en-US" dirty="0" smtClean="0">
+              <a:latin typeface="Courier"/>
+              <a:cs typeface="Courier"/>
+            </a:endParaRPr>
+          </a:p>
+          <a:p>
+            <a:pPr>
+              <a:lnSpc>
+                <a:spcPct val="120000"/>
+              </a:lnSpc>
+            </a:pPr>
+            <a:r>
+              <a:rPr lang="en-US" dirty="0" smtClean="0">
+                <a:latin typeface="Courier"/>
+                <a:cs typeface="Courier"/>
+              </a:rPr>
+              <a:t>&gt;&gt;&gt; drone = </a:t>
+            </a:r>
+            <a:r>
+              <a:rPr lang="en-US" dirty="0" err="1" smtClean="0">
+                <a:latin typeface="Courier"/>
+                <a:cs typeface="Courier"/>
+              </a:rPr>
+              <a:t>cardiff_drone.Drone</a:t>
+            </a:r>
+            <a:r>
+              <a:rPr lang="en-US" dirty="0" smtClean="0">
+                <a:latin typeface="Courier"/>
+                <a:cs typeface="Courier"/>
+              </a:rPr>
+              <a:t>()</a:t>
+            </a:r>
+          </a:p>
+          <a:p>
+            <a:pPr>
+              <a:lnSpc>
+                <a:spcPct val="120000"/>
+              </a:lnSpc>
+            </a:pPr>
+            <a:r>
+              <a:rPr lang="en-US" dirty="0" smtClean="0">
+                <a:latin typeface="Courier"/>
+                <a:cs typeface="Courier"/>
+              </a:rPr>
+              <a:t>&gt;&gt;&gt; </a:t>
+            </a:r>
+            <a:r>
+              <a:rPr lang="en-US" dirty="0" err="1" smtClean="0">
+                <a:latin typeface="Courier"/>
+                <a:cs typeface="Courier"/>
+              </a:rPr>
+              <a:t>drone.takeoff</a:t>
+            </a:r>
+            <a:r>
+              <a:rPr lang="en-US" dirty="0" smtClean="0">
+                <a:latin typeface="Courier"/>
+                <a:cs typeface="Courier"/>
+              </a:rPr>
+              <a:t>()</a:t>
+            </a:r>
+          </a:p>
+          <a:p>
+            <a:pPr>
+              <a:lnSpc>
+                <a:spcPct val="120000"/>
+              </a:lnSpc>
+            </a:pPr>
+            <a:r>
+              <a:rPr lang="en-US" dirty="0" smtClean="0">
+                <a:latin typeface="Courier"/>
+                <a:cs typeface="Courier"/>
+              </a:rPr>
+              <a:t>&gt;&gt;&gt; </a:t>
+            </a:r>
+            <a:r>
+              <a:rPr lang="en-US" dirty="0" err="1" smtClean="0">
+                <a:latin typeface="Courier"/>
+                <a:cs typeface="Courier"/>
+              </a:rPr>
+              <a:t>drone.move_backward</a:t>
+            </a:r>
+            <a:r>
+              <a:rPr lang="en-US" dirty="0" smtClean="0">
+                <a:latin typeface="Courier"/>
+                <a:cs typeface="Courier"/>
+              </a:rPr>
+              <a:t>()</a:t>
+            </a:r>
+          </a:p>
+          <a:p>
+            <a:pPr>
+              <a:lnSpc>
+                <a:spcPct val="120000"/>
+              </a:lnSpc>
+            </a:pPr>
+            <a:r>
+              <a:rPr lang="en-US" dirty="0" smtClean="0">
+                <a:latin typeface="Courier"/>
+                <a:cs typeface="Courier"/>
+              </a:rPr>
+              <a:t>&gt;&gt;&gt; photo = </a:t>
+            </a:r>
+            <a:r>
+              <a:rPr lang="en-US" dirty="0" err="1" smtClean="0">
+                <a:latin typeface="Courier"/>
+                <a:cs typeface="Courier"/>
+              </a:rPr>
+              <a:t>drone.image</a:t>
+            </a:r>
+            <a:endParaRPr lang="en-US" dirty="0" smtClean="0">
+              <a:latin typeface="Courier"/>
+              <a:cs typeface="Courier"/>
+            </a:endParaRPr>
+          </a:p>
+          <a:p>
+            <a:pPr>
+              <a:lnSpc>
+                <a:spcPct val="120000"/>
+              </a:lnSpc>
+            </a:pPr>
+            <a:r>
+              <a:rPr lang="en-US" dirty="0" smtClean="0">
+                <a:latin typeface="Courier"/>
+                <a:cs typeface="Courier"/>
+              </a:rPr>
+              <a:t>&gt;&gt;&gt; </a:t>
+            </a:r>
+            <a:r>
+              <a:rPr lang="en-US" dirty="0" err="1" smtClean="0">
+                <a:latin typeface="Courier"/>
+                <a:cs typeface="Courier"/>
+              </a:rPr>
+              <a:t>drone.save_photo</a:t>
+            </a:r>
+            <a:r>
+              <a:rPr lang="en-US" dirty="0" smtClean="0">
+                <a:latin typeface="Courier"/>
+                <a:cs typeface="Courier"/>
+              </a:rPr>
+              <a:t>(photo)</a:t>
+            </a:r>
+          </a:p>
+          <a:p>
+            <a:pPr>
+              <a:lnSpc>
+                <a:spcPct val="120000"/>
+              </a:lnSpc>
+            </a:pPr>
+            <a:r>
+              <a:rPr lang="en-US" dirty="0" smtClean="0">
+                <a:latin typeface="Courier"/>
+                <a:cs typeface="Courier"/>
+              </a:rPr>
+              <a:t>&gt;&gt;&gt; </a:t>
+            </a:r>
+            <a:r>
+              <a:rPr lang="en-US" dirty="0" err="1" smtClean="0">
+                <a:latin typeface="Courier"/>
+                <a:cs typeface="Courier"/>
+              </a:rPr>
+              <a:t>drone.land</a:t>
+            </a:r>
+            <a:r>
+              <a:rPr lang="en-US" dirty="0" smtClean="0">
+                <a:latin typeface="Courier"/>
+                <a:cs typeface="Courier"/>
+              </a:rPr>
+              <a:t>()</a:t>
+            </a:r>
+          </a:p>
+          <a:p>
+            <a:pPr>
+              <a:lnSpc>
+                <a:spcPct val="120000"/>
+              </a:lnSpc>
+            </a:pPr>
+            <a:r>
+              <a:rPr lang="en-US" dirty="0" smtClean="0">
+                <a:latin typeface="Courier"/>
+                <a:cs typeface="Courier"/>
+              </a:rPr>
+              <a:t>&gt;&gt;&gt; </a:t>
+            </a:r>
+            <a:r>
+              <a:rPr lang="en-US" dirty="0" err="1" smtClean="0">
+                <a:latin typeface="Courier"/>
+                <a:cs typeface="Courier"/>
+              </a:rPr>
+              <a:t>drone.halt</a:t>
+            </a:r>
+            <a:r>
+              <a:rPr lang="en-US" dirty="0" smtClean="0">
+                <a:latin typeface="Courier"/>
+                <a:cs typeface="Courier"/>
+              </a:rPr>
+              <a:t>()</a:t>
+            </a:r>
+          </a:p>
+        </p:txBody>
+      </p:sp>
+    </p:spTree>
+    <p:extLst>
+      <p:ext uri="{BB962C8B-B14F-4D97-AF65-F5344CB8AC3E}">
+        <p14:creationId xmlns:p14="http://schemas.microsoft.com/office/powerpoint/2010/main" val="1392190604"/>
+      </p:ext>
+    </p:extLst>
+  </p:cSld>
+  <p:clrMapOvr>
+    <a:masterClrMapping/>
+  </p:clrMapOvr>
+</p:sld>
+</file>
+
+<file path=ppt/slides/slide15.xml><?xml version="1.0" encoding="utf-8"?>
+<p:sld xmlns:a="http://schemas.openxmlformats.org/drawingml/2006/main" xmlns:r="http://schemas.openxmlformats.org/officeDocument/2006/relationships" xmlns:p="http://schemas.openxmlformats.org/presentationml/2006/main">
+  <p:cSld>
+    <p:spTree>
+      <p:nvGrpSpPr>
+        <p:cNvPr id="1" name=""/>
+        <p:cNvGrpSpPr/>
+        <p:nvPr/>
+      </p:nvGrpSpPr>
+      <p:grpSpPr>
+        <a:xfrm>
+          <a:off x="0" y="0"/>
+          <a:ext cx="0" cy="0"/>
+          <a:chOff x="0" y="0"/>
+          <a:chExt cx="0" cy="0"/>
+        </a:xfrm>
+      </p:grpSpPr>
+      <p:pic>
+        <p:nvPicPr>
+          <p:cNvPr id="5" name="Picture 4"/>
+          <p:cNvPicPr>
+            <a:picLocks noChangeAspect="1"/>
+          </p:cNvPicPr>
+          <p:nvPr/>
+        </p:nvPicPr>
+        <p:blipFill>
+          <a:blip r:embed="rId2"/>
+          <a:stretch>
+            <a:fillRect/>
+          </a:stretch>
+        </p:blipFill>
+        <p:spPr>
+          <a:xfrm>
+            <a:off x="1028352" y="6150019"/>
+            <a:ext cx="542019" cy="542019"/>
+          </a:xfrm>
+          <a:prstGeom prst="rect">
+            <a:avLst/>
+          </a:prstGeom>
+        </p:spPr>
+      </p:pic>
+      <p:pic>
+        <p:nvPicPr>
+          <p:cNvPr id="7" name="Picture 6" descr="logo.jpg"/>
+          <p:cNvPicPr>
+            <a:picLocks noChangeAspect="1"/>
+          </p:cNvPicPr>
+          <p:nvPr/>
+        </p:nvPicPr>
+        <p:blipFill>
+          <a:blip r:embed="rId3">
+            <a:extLst>
+              <a:ext uri="{28A0092B-C50C-407E-A947-70E740481C1C}">
+                <a14:useLocalDpi xmlns:a14="http://schemas.microsoft.com/office/drawing/2010/main" val="0"/>
+              </a:ext>
+            </a:extLst>
+          </a:blip>
+          <a:stretch>
+            <a:fillRect/>
+          </a:stretch>
+        </p:blipFill>
+        <p:spPr>
+          <a:xfrm>
+            <a:off x="150208" y="5998868"/>
+            <a:ext cx="744069" cy="714826"/>
+          </a:xfrm>
+          <a:prstGeom prst="rect">
+            <a:avLst/>
+          </a:prstGeom>
+        </p:spPr>
+      </p:pic>
+      <p:sp>
+        <p:nvSpPr>
+          <p:cNvPr id="15" name="TextBox 14"/>
+          <p:cNvSpPr txBox="1"/>
+          <p:nvPr/>
+        </p:nvSpPr>
+        <p:spPr>
+          <a:xfrm>
+            <a:off x="559872" y="274167"/>
+            <a:ext cx="8029377" cy="707886"/>
+          </a:xfrm>
+          <a:prstGeom prst="rect">
+            <a:avLst/>
+          </a:prstGeom>
+          <a:noFill/>
+        </p:spPr>
+        <p:txBody>
+          <a:bodyPr wrap="square" rtlCol="0">
+            <a:spAutoFit/>
+          </a:bodyPr>
+          <a:lstStyle/>
+          <a:p>
+            <a:pPr algn="ctr"/>
+            <a:r>
+              <a:rPr lang="en-US" sz="4000" dirty="0" smtClean="0">
+                <a:solidFill>
+                  <a:schemeClr val="tx1">
+                    <a:lumMod val="65000"/>
+                    <a:lumOff val="35000"/>
+                  </a:schemeClr>
+                </a:solidFill>
+                <a:latin typeface="Helvetica Neue Light"/>
+                <a:cs typeface="Helvetica Neue Light"/>
+              </a:rPr>
+              <a:t>Example 2: Program</a:t>
+            </a:r>
+            <a:endParaRPr lang="en-US" sz="4000" dirty="0">
+              <a:solidFill>
+                <a:schemeClr val="tx1">
+                  <a:lumMod val="65000"/>
+                  <a:lumOff val="35000"/>
+                </a:schemeClr>
+              </a:solidFill>
+              <a:latin typeface="Helvetica Neue Light"/>
+              <a:cs typeface="Helvetica Neue Light"/>
+            </a:endParaRPr>
+          </a:p>
+        </p:txBody>
+      </p:sp>
+    </p:spTree>
+    <p:extLst>
+      <p:ext uri="{BB962C8B-B14F-4D97-AF65-F5344CB8AC3E}">
+        <p14:creationId xmlns:p14="http://schemas.microsoft.com/office/powerpoint/2010/main" val="3304515257"/>
       </p:ext>
     </p:extLst>
   </p:cSld>
@@ -7246,7 +7834,7 @@
                 <a:cs typeface="ヒラギノ角ゴ ProN W6" charset="0"/>
                 <a:sym typeface="Consolas Bold" charset="0"/>
               </a:rPr>
-              <a:t>print ‘hello, world!’</a:t>
+              <a:t>print ‘Hello, world!’</a:t>
             </a:r>
             <a:endParaRPr lang="en-US" dirty="0">
               <a:latin typeface="Consolas" charset="0"/>
@@ -7423,7 +8011,7 @@
         <p:spPr>
           <a:xfrm>
             <a:off x="559872" y="1781250"/>
-            <a:ext cx="8029377" cy="3831818"/>
+            <a:ext cx="8029377" cy="3277820"/>
           </a:xfrm>
           <a:prstGeom prst="rect">
             <a:avLst/>
@@ -7448,37 +8036,7 @@
                 <a:latin typeface="Helvetica Neue Light"/>
                 <a:cs typeface="Helvetica Neue Light"/>
               </a:rPr>
-              <a:t> Objects are </a:t>
-            </a:r>
-            <a:r>
-              <a:rPr lang="en-US" i="1" dirty="0" smtClean="0">
-                <a:latin typeface="Helvetica Neue Light"/>
-                <a:cs typeface="Helvetica Neue Light"/>
-              </a:rPr>
-              <a:t>instances</a:t>
-            </a:r>
-            <a:r>
-              <a:rPr lang="en-US" dirty="0" smtClean="0">
-                <a:latin typeface="Helvetica Neue Light"/>
-                <a:cs typeface="Helvetica Neue Light"/>
-              </a:rPr>
-              <a:t> of classes.</a:t>
-            </a:r>
-          </a:p>
-          <a:p>
-            <a:pPr marL="285750" indent="-285750">
-              <a:lnSpc>
-                <a:spcPct val="200000"/>
-              </a:lnSpc>
-              <a:buFont typeface="Arial"/>
-              <a:buChar char="•"/>
-            </a:pPr>
-            <a:r>
-              <a:rPr lang="en-US" dirty="0" smtClean="0">
-                <a:latin typeface="Helvetica Neue Light"/>
-                <a:cs typeface="Helvetica Neue Light"/>
-              </a:rPr>
-              <a:t> Think of classes as ‘templates’, and each class has:</a:t>
+              <a:t> Each object has:</a:t>
             </a:r>
           </a:p>
           <a:p>
@@ -7524,7 +8082,7 @@
                 <a:latin typeface="Helvetica Neue Light"/>
                 <a:cs typeface="Helvetica Neue Light"/>
               </a:rPr>
-              <a:t>What information the class </a:t>
+              <a:t>What information the object </a:t>
             </a:r>
             <a:r>
               <a:rPr lang="en-US" sz="1600" i="1" dirty="0" smtClean="0">
@@ -7678,7 +8236,7 @@
                 <a:latin typeface="Helvetica Neue Light"/>
                 <a:cs typeface="Helvetica Neue Light"/>
               </a:rPr>
-              <a:t>What stuff the class can </a:t>
+              <a:t>What stuff the object can </a:t>
             </a:r>
             <a:r>
               <a:rPr lang="en-US" sz="1600" i="1" dirty="0" smtClean="0">

--- a/python_intro.pptx
+++ b/python_intro.pptx
@@ -20,6 +20,7 @@
     <p:sldId id="268" r:id="rId14"/>
     <p:sldId id="269" r:id="rId15"/>
     <p:sldId id="270" r:id="rId16"/>
+    <p:sldId id="271" r:id="rId17"/>
   </p:sldIdLst>
   <p:sldSz cx="9144000" cy="6858000" type="screen4x3"/>
   <p:notesSz cx="6858000" cy="9144000"/>
@@ -3342,6 +3343,13 @@
   <p:clrMapOvr>
     <a:masterClrMapping/>
   </p:clrMapOvr>
+  <p:timing>
+    <p:tnLst>
+      <p:par>
+        <p:cTn xmlns:p14="http://schemas.microsoft.com/office/powerpoint/2010/main" id="1" dur="indefinite" restart="never" nodeType="tmRoot"/>
+      </p:par>
+    </p:tnLst>
+  </p:timing>
 </p:sld>
 </file>
 
@@ -3976,6 +3984,13 @@
   <p:clrMapOvr>
     <a:masterClrMapping/>
   </p:clrMapOvr>
+  <p:timing>
+    <p:tnLst>
+      <p:par>
+        <p:cTn xmlns:p14="http://schemas.microsoft.com/office/powerpoint/2010/main" id="1" dur="indefinite" restart="never" nodeType="tmRoot"/>
+      </p:par>
+    </p:tnLst>
+  </p:timing>
 </p:sld>
 </file>
 
@@ -4365,6 +4380,13 @@
   <p:clrMapOvr>
     <a:masterClrMapping/>
   </p:clrMapOvr>
+  <p:timing>
+    <p:tnLst>
+      <p:par>
+        <p:cTn xmlns:p14="http://schemas.microsoft.com/office/powerpoint/2010/main" id="1" dur="indefinite" restart="never" nodeType="tmRoot"/>
+      </p:par>
+    </p:tnLst>
+  </p:timing>
 </p:sld>
 </file>
 
@@ -5077,6 +5099,13 @@
   <p:clrMapOvr>
     <a:masterClrMapping/>
   </p:clrMapOvr>
+  <p:timing>
+    <p:tnLst>
+      <p:par>
+        <p:cTn xmlns:p14="http://schemas.microsoft.com/office/powerpoint/2010/main" id="1" dur="indefinite" restart="never" nodeType="tmRoot"/>
+      </p:par>
+    </p:tnLst>
+  </p:timing>
 </p:sld>
 </file>
 
@@ -5499,6 +5528,13 @@
   <p:clrMapOvr>
     <a:masterClrMapping/>
   </p:clrMapOvr>
+  <p:timing>
+    <p:tnLst>
+      <p:par>
+        <p:cTn xmlns:p14="http://schemas.microsoft.com/office/powerpoint/2010/main" id="1" dur="indefinite" restart="never" nodeType="tmRoot"/>
+      </p:par>
+    </p:tnLst>
+  </p:timing>
 </p:sld>
 </file>
 
@@ -5607,7 +5643,7 @@
                 <a:latin typeface="Helvetica Neue Light"/>
                 <a:cs typeface="Helvetica Neue Light"/>
               </a:rPr>
-              <a:t>Example</a:t>
+              <a:t>Example 1</a:t>
             </a:r>
             <a:endParaRPr lang="en-US" sz="4000" dirty="0">
               <a:solidFill>
@@ -5631,7 +5667,7 @@
         <p:spPr>
           <a:xfrm>
             <a:off x="559872" y="1310598"/>
-            <a:ext cx="8029377" cy="2742290"/>
+            <a:ext cx="8029377" cy="3074689"/>
           </a:xfrm>
           <a:prstGeom prst="rect">
             <a:avLst/>
@@ -5654,7 +5690,7 @@
                 <a:latin typeface="Courier"/>
                 <a:cs typeface="Courier"/>
               </a:rPr>
-              <a:t>&gt;&gt;&gt; import </a:t>
+              <a:t>import </a:t>
             </a:r>
             <a:r>
               <a:rPr lang="en-US" dirty="0" err="1" smtClean="0">
@@ -5679,7 +5715,7 @@
                 <a:latin typeface="Courier"/>
                 <a:cs typeface="Courier"/>
               </a:rPr>
-              <a:t>&gt;&gt;&gt; drone = </a:t>
+              <a:t>drone = </a:t>
             </a:r>
             <a:r>
               <a:rPr lang="en-US" dirty="0" err="1" smtClean="0">
@@ -5703,25 +5739,18 @@
               </a:lnSpc>
             </a:pPr>
             <a:r>
-              <a:rPr lang="en-US" dirty="0" smtClean="0">
-                <a:latin typeface="Courier"/>
-                <a:cs typeface="Courier"/>
-              </a:rPr>
-              <a:t>&gt;&gt;&gt; </a:t>
-            </a:r>
-            <a:r>
               <a:rPr lang="en-US" dirty="0" err="1" smtClean="0">
                 <a:latin typeface="Courier"/>
                 <a:cs typeface="Courier"/>
               </a:rPr>
-              <a:t>drone.takeoff</a:t>
-            </a:r>
-            <a:r>
-              <a:rPr lang="en-US" dirty="0" smtClean="0">
-                <a:latin typeface="Courier"/>
-                <a:cs typeface="Courier"/>
-              </a:rPr>
-              <a:t>()</a:t>
+              <a:t>drone.team_name</a:t>
+            </a:r>
+            <a:r>
+              <a:rPr lang="en-US" dirty="0" smtClean="0">
+                <a:latin typeface="Courier"/>
+                <a:cs typeface="Courier"/>
+              </a:rPr>
+              <a:t> = “Will”</a:t>
             </a:r>
           </a:p>
           <a:p>
@@ -5730,27 +5759,10 @@
                 <a:spcPct val="120000"/>
               </a:lnSpc>
             </a:pPr>
-            <a:r>
-              <a:rPr lang="en-US" dirty="0" smtClean="0">
-                <a:latin typeface="Courier"/>
-                <a:cs typeface="Courier"/>
-              </a:rPr>
-              <a:t>&gt;&gt;&gt; </a:t>
-            </a:r>
-            <a:r>
-              <a:rPr lang="en-US" dirty="0" err="1" smtClean="0">
-                <a:latin typeface="Courier"/>
-                <a:cs typeface="Courier"/>
-              </a:rPr>
-              <a:t>drone.move_backward</a:t>
-            </a:r>
-            <a:r>
-              <a:rPr lang="en-US" dirty="0" smtClean="0">
-                <a:latin typeface="Courier"/>
-                <a:cs typeface="Courier"/>
-              </a:rPr>
-              <a:t>()</a:t>
-            </a:r>
+            <a:endParaRPr lang="en-US" dirty="0" smtClean="0">
+              <a:latin typeface="Courier"/>
+              <a:cs typeface="Courier"/>
+            </a:endParaRPr>
           </a:p>
           <a:p>
             <a:pPr>
@@ -5759,23 +5771,19 @@
               </a:lnSpc>
             </a:pPr>
             <a:r>
-              <a:rPr lang="en-US" dirty="0" smtClean="0">
-                <a:latin typeface="Courier"/>
-                <a:cs typeface="Courier"/>
-              </a:rPr>
-              <a:t>&gt;&gt;&gt; photo = </a:t>
-            </a:r>
-            <a:r>
               <a:rPr lang="en-US" dirty="0" err="1" smtClean="0">
                 <a:latin typeface="Courier"/>
                 <a:cs typeface="Courier"/>
               </a:rPr>
-              <a:t>drone.image</a:t>
-            </a:r>
-            <a:endParaRPr lang="en-US" dirty="0" smtClean="0">
-              <a:latin typeface="Courier"/>
-              <a:cs typeface="Courier"/>
-            </a:endParaRPr>
+              <a:t>drone.takeoff</a:t>
+            </a:r>
+            <a:r>
+              <a:rPr lang="en-US" dirty="0" smtClean="0">
+                <a:latin typeface="Courier"/>
+                <a:cs typeface="Courier"/>
+              </a:rPr>
+              <a:t>()</a:t>
+            </a:r>
           </a:p>
           <a:p>
             <a:pPr>
@@ -5784,25 +5792,18 @@
               </a:lnSpc>
             </a:pPr>
             <a:r>
-              <a:rPr lang="en-US" dirty="0" smtClean="0">
-                <a:latin typeface="Courier"/>
-                <a:cs typeface="Courier"/>
-              </a:rPr>
-              <a:t>&gt;&gt;&gt; </a:t>
-            </a:r>
-            <a:r>
               <a:rPr lang="en-US" dirty="0" err="1" smtClean="0">
                 <a:latin typeface="Courier"/>
                 <a:cs typeface="Courier"/>
               </a:rPr>
-              <a:t>drone.save_photo</a:t>
-            </a:r>
-            <a:r>
-              <a:rPr lang="en-US" dirty="0" smtClean="0">
-                <a:latin typeface="Courier"/>
-                <a:cs typeface="Courier"/>
-              </a:rPr>
-              <a:t>(photo)</a:t>
+              <a:t>drone.move_forward</a:t>
+            </a:r>
+            <a:r>
+              <a:rPr lang="en-US" dirty="0" smtClean="0">
+                <a:latin typeface="Courier"/>
+                <a:cs typeface="Courier"/>
+              </a:rPr>
+              <a:t>()</a:t>
             </a:r>
           </a:p>
           <a:p>
@@ -5812,13 +5813,6 @@
               </a:lnSpc>
             </a:pPr>
             <a:r>
-              <a:rPr lang="en-US" dirty="0" smtClean="0">
-                <a:latin typeface="Courier"/>
-                <a:cs typeface="Courier"/>
-              </a:rPr>
-              <a:t>&gt;&gt;&gt; </a:t>
-            </a:r>
-            <a:r>
               <a:rPr lang="en-US" dirty="0" err="1" smtClean="0">
                 <a:latin typeface="Courier"/>
                 <a:cs typeface="Courier"/>
@@ -5839,13 +5833,17 @@
                 <a:spcPct val="120000"/>
               </a:lnSpc>
             </a:pPr>
-            <a:r>
-              <a:rPr lang="en-US" dirty="0" smtClean="0">
-                <a:latin typeface="Courier"/>
-                <a:cs typeface="Courier"/>
-              </a:rPr>
-              <a:t>&gt;&gt;&gt; </a:t>
-            </a:r>
+            <a:endParaRPr lang="en-US" dirty="0" smtClean="0">
+              <a:latin typeface="Courier"/>
+              <a:cs typeface="Courier"/>
+            </a:endParaRPr>
+          </a:p>
+          <a:p>
+            <a:pPr>
+              <a:lnSpc>
+                <a:spcPct val="120000"/>
+              </a:lnSpc>
+            </a:pPr>
             <a:r>
               <a:rPr lang="en-US" dirty="0" err="1" smtClean="0">
                 <a:latin typeface="Courier"/>
@@ -5873,6 +5871,13 @@
   <p:clrMapOvr>
     <a:masterClrMapping/>
   </p:clrMapOvr>
+  <p:timing>
+    <p:tnLst>
+      <p:par>
+        <p:cTn xmlns:p14="http://schemas.microsoft.com/office/powerpoint/2010/main" id="1" dur="indefinite" restart="never" nodeType="tmRoot"/>
+      </p:par>
+    </p:tnLst>
+  </p:timing>
 </p:sld>
 </file>
 
@@ -5981,7 +5986,7 @@
                 <a:latin typeface="Helvetica Neue Light"/>
                 <a:cs typeface="Helvetica Neue Light"/>
               </a:rPr>
-              <a:t>Example 2: Program</a:t>
+              <a:t>Example 2: Photo</a:t>
             </a:r>
             <a:endParaRPr lang="en-US" sz="4000" dirty="0">
               <a:solidFill>
@@ -5993,6 +5998,259 @@
               <a:latin typeface="Helvetica Neue Light"/>
               <a:cs typeface="Helvetica Neue Light"/>
             </a:endParaRPr>
+          </a:p>
+        </p:txBody>
+      </p:sp>
+      <p:sp>
+        <p:nvSpPr>
+          <p:cNvPr id="6" name="TextBox 5"/>
+          <p:cNvSpPr txBox="1"/>
+          <p:nvPr/>
+        </p:nvSpPr>
+        <p:spPr>
+          <a:xfrm>
+            <a:off x="559872" y="1310598"/>
+            <a:ext cx="8029377" cy="3739486"/>
+          </a:xfrm>
+          <a:prstGeom prst="rect">
+            <a:avLst/>
+          </a:prstGeom>
+          <a:noFill/>
+        </p:spPr>
+        <p:txBody>
+          <a:bodyPr wrap="square" rtlCol="0">
+            <a:spAutoFit/>
+          </a:bodyPr>
+          <a:lstStyle/>
+          <a:p>
+            <a:pPr>
+              <a:lnSpc>
+                <a:spcPct val="120000"/>
+              </a:lnSpc>
+            </a:pPr>
+            <a:r>
+              <a:rPr lang="en-US" dirty="0" smtClean="0">
+                <a:latin typeface="Courier"/>
+                <a:cs typeface="Courier"/>
+              </a:rPr>
+              <a:t>import </a:t>
+            </a:r>
+            <a:r>
+              <a:rPr lang="en-US" dirty="0" err="1" smtClean="0">
+                <a:latin typeface="Courier"/>
+                <a:cs typeface="Courier"/>
+              </a:rPr>
+              <a:t>cardiff_drone</a:t>
+            </a:r>
+            <a:endParaRPr lang="en-US" dirty="0" smtClean="0">
+              <a:latin typeface="Courier"/>
+              <a:cs typeface="Courier"/>
+            </a:endParaRPr>
+          </a:p>
+          <a:p>
+            <a:pPr>
+              <a:lnSpc>
+                <a:spcPct val="120000"/>
+              </a:lnSpc>
+            </a:pPr>
+            <a:r>
+              <a:rPr lang="en-US" dirty="0" smtClean="0">
+                <a:latin typeface="Courier"/>
+                <a:cs typeface="Courier"/>
+              </a:rPr>
+              <a:t>drone = </a:t>
+            </a:r>
+            <a:r>
+              <a:rPr lang="en-US" dirty="0" err="1" smtClean="0">
+                <a:latin typeface="Courier"/>
+                <a:cs typeface="Courier"/>
+              </a:rPr>
+              <a:t>cardiff_drone.Drone</a:t>
+            </a:r>
+            <a:r>
+              <a:rPr lang="en-US" dirty="0" smtClean="0">
+                <a:latin typeface="Courier"/>
+                <a:cs typeface="Courier"/>
+              </a:rPr>
+              <a:t>()</a:t>
+            </a:r>
+          </a:p>
+          <a:p>
+            <a:pPr>
+              <a:lnSpc>
+                <a:spcPct val="120000"/>
+              </a:lnSpc>
+            </a:pPr>
+            <a:r>
+              <a:rPr lang="en-US" dirty="0" err="1" smtClean="0">
+                <a:latin typeface="Courier"/>
+                <a:cs typeface="Courier"/>
+              </a:rPr>
+              <a:t>drone.team_name</a:t>
+            </a:r>
+            <a:r>
+              <a:rPr lang="en-US" dirty="0" smtClean="0">
+                <a:latin typeface="Courier"/>
+                <a:cs typeface="Courier"/>
+              </a:rPr>
+              <a:t> = “Will”</a:t>
+            </a:r>
+            <a:endParaRPr lang="en-US" dirty="0" smtClean="0">
+              <a:latin typeface="Courier"/>
+              <a:cs typeface="Courier"/>
+            </a:endParaRPr>
+          </a:p>
+          <a:p>
+            <a:pPr>
+              <a:lnSpc>
+                <a:spcPct val="120000"/>
+              </a:lnSpc>
+            </a:pPr>
+            <a:endParaRPr lang="en-US" dirty="0" smtClean="0">
+              <a:latin typeface="Courier"/>
+              <a:cs typeface="Courier"/>
+            </a:endParaRPr>
+          </a:p>
+          <a:p>
+            <a:pPr>
+              <a:lnSpc>
+                <a:spcPct val="120000"/>
+              </a:lnSpc>
+            </a:pPr>
+            <a:r>
+              <a:rPr lang="en-US" dirty="0" err="1" smtClean="0">
+                <a:latin typeface="Courier"/>
+                <a:cs typeface="Courier"/>
+              </a:rPr>
+              <a:t>drone.takeoff</a:t>
+            </a:r>
+            <a:r>
+              <a:rPr lang="en-US" dirty="0" smtClean="0">
+                <a:latin typeface="Courier"/>
+                <a:cs typeface="Courier"/>
+              </a:rPr>
+              <a:t>()</a:t>
+            </a:r>
+          </a:p>
+          <a:p>
+            <a:pPr>
+              <a:lnSpc>
+                <a:spcPct val="120000"/>
+              </a:lnSpc>
+            </a:pPr>
+            <a:r>
+              <a:rPr lang="en-US" dirty="0" err="1" smtClean="0">
+                <a:latin typeface="Courier"/>
+                <a:cs typeface="Courier"/>
+              </a:rPr>
+              <a:t>drone.move_forward</a:t>
+            </a:r>
+            <a:r>
+              <a:rPr lang="en-US" dirty="0" smtClean="0">
+                <a:latin typeface="Courier"/>
+                <a:cs typeface="Courier"/>
+              </a:rPr>
+              <a:t>()</a:t>
+            </a:r>
+          </a:p>
+          <a:p>
+            <a:pPr>
+              <a:lnSpc>
+                <a:spcPct val="120000"/>
+              </a:lnSpc>
+            </a:pPr>
+            <a:r>
+              <a:rPr lang="en-US" b="1" dirty="0" smtClean="0">
+                <a:latin typeface="Courier"/>
+                <a:cs typeface="Courier"/>
+              </a:rPr>
+              <a:t>image = </a:t>
+            </a:r>
+            <a:r>
+              <a:rPr lang="en-US" b="1" dirty="0" err="1" smtClean="0">
+                <a:latin typeface="Courier"/>
+                <a:cs typeface="Courier"/>
+              </a:rPr>
+              <a:t>drone.image</a:t>
+            </a:r>
+            <a:endParaRPr lang="en-US" b="1" dirty="0" smtClean="0">
+              <a:latin typeface="Courier"/>
+              <a:cs typeface="Courier"/>
+            </a:endParaRPr>
+          </a:p>
+          <a:p>
+            <a:pPr>
+              <a:lnSpc>
+                <a:spcPct val="120000"/>
+              </a:lnSpc>
+            </a:pPr>
+            <a:r>
+              <a:rPr lang="en-US" b="1" dirty="0" err="1" smtClean="0">
+                <a:latin typeface="Courier"/>
+                <a:cs typeface="Courier"/>
+              </a:rPr>
+              <a:t>drone.save_photo</a:t>
+            </a:r>
+            <a:r>
+              <a:rPr lang="en-US" b="1" dirty="0" smtClean="0">
+                <a:latin typeface="Courier"/>
+                <a:cs typeface="Courier"/>
+              </a:rPr>
+              <a:t>(image)</a:t>
+            </a:r>
+          </a:p>
+          <a:p>
+            <a:pPr>
+              <a:lnSpc>
+                <a:spcPct val="120000"/>
+              </a:lnSpc>
+            </a:pPr>
+            <a:r>
+              <a:rPr lang="en-US" dirty="0" err="1" smtClean="0">
+                <a:latin typeface="Courier"/>
+                <a:cs typeface="Courier"/>
+              </a:rPr>
+              <a:t>drone.land</a:t>
+            </a:r>
+            <a:r>
+              <a:rPr lang="en-US" dirty="0" smtClean="0">
+                <a:latin typeface="Courier"/>
+                <a:cs typeface="Courier"/>
+              </a:rPr>
+              <a:t>()</a:t>
+            </a:r>
+          </a:p>
+          <a:p>
+            <a:pPr>
+              <a:lnSpc>
+                <a:spcPct val="120000"/>
+              </a:lnSpc>
+            </a:pPr>
+            <a:endParaRPr lang="en-US" dirty="0" smtClean="0">
+              <a:latin typeface="Courier"/>
+              <a:cs typeface="Courier"/>
+            </a:endParaRPr>
+          </a:p>
+          <a:p>
+            <a:pPr>
+              <a:lnSpc>
+                <a:spcPct val="120000"/>
+              </a:lnSpc>
+            </a:pPr>
+            <a:r>
+              <a:rPr lang="en-US" dirty="0" err="1" smtClean="0">
+                <a:latin typeface="Courier"/>
+                <a:cs typeface="Courier"/>
+              </a:rPr>
+              <a:t>drone.halt</a:t>
+            </a:r>
+            <a:r>
+              <a:rPr lang="en-US" dirty="0" smtClean="0">
+                <a:latin typeface="Courier"/>
+                <a:cs typeface="Courier"/>
+              </a:rPr>
+              <a:t>()</a:t>
+            </a:r>
           </a:p>
         </p:txBody>
       </p:sp>
@@ -6006,6 +6264,993 @@
   <p:clrMapOvr>
     <a:masterClrMapping/>
   </p:clrMapOvr>
+  <p:timing>
+    <p:tnLst>
+      <p:par>
+        <p:cTn xmlns:p14="http://schemas.microsoft.com/office/powerpoint/2010/main" id="1" dur="indefinite" restart="never" nodeType="tmRoot"/>
+      </p:par>
+    </p:tnLst>
+  </p:timing>
+</p:sld>
+</file>
+
+<file path=ppt/slides/slide16.xml><?xml version="1.0" encoding="utf-8"?>
+<p:sld xmlns:a="http://schemas.openxmlformats.org/drawingml/2006/main" xmlns:r="http://schemas.openxmlformats.org/officeDocument/2006/relationships" xmlns:p="http://schemas.openxmlformats.org/presentationml/2006/main">
+  <p:cSld>
+    <p:spTree>
+      <p:nvGrpSpPr>
+        <p:cNvPr id="1" name=""/>
+        <p:cNvGrpSpPr/>
+        <p:nvPr/>
+      </p:nvGrpSpPr>
+      <p:grpSpPr>
+        <a:xfrm>
+          <a:off x="0" y="0"/>
+          <a:ext cx="0" cy="0"/>
+          <a:chOff x="0" y="0"/>
+          <a:chExt cx="0" cy="0"/>
+        </a:xfrm>
+      </p:grpSpPr>
+      <p:pic>
+        <p:nvPicPr>
+          <p:cNvPr id="5" name="Picture 4"/>
+          <p:cNvPicPr>
+            <a:picLocks noChangeAspect="1"/>
+          </p:cNvPicPr>
+          <p:nvPr/>
+        </p:nvPicPr>
+        <p:blipFill>
+          <a:blip r:embed="rId2"/>
+          <a:stretch>
+            <a:fillRect/>
+          </a:stretch>
+        </p:blipFill>
+        <p:spPr>
+          <a:xfrm>
+            <a:off x="1028352" y="6150019"/>
+            <a:ext cx="542019" cy="542019"/>
+          </a:xfrm>
+          <a:prstGeom prst="rect">
+            <a:avLst/>
+          </a:prstGeom>
+        </p:spPr>
+      </p:pic>
+      <p:pic>
+        <p:nvPicPr>
+          <p:cNvPr id="7" name="Picture 6" descr="logo.jpg"/>
+          <p:cNvPicPr>
+            <a:picLocks noChangeAspect="1"/>
+          </p:cNvPicPr>
+          <p:nvPr/>
+        </p:nvPicPr>
+        <p:blipFill>
+          <a:blip r:embed="rId3">
+            <a:extLst>
+              <a:ext uri="{28A0092B-C50C-407E-A947-70E740481C1C}">
+                <a14:useLocalDpi xmlns:a14="http://schemas.microsoft.com/office/drawing/2010/main" val="0"/>
+              </a:ext>
+            </a:extLst>
+          </a:blip>
+          <a:stretch>
+            <a:fillRect/>
+          </a:stretch>
+        </p:blipFill>
+        <p:spPr>
+          <a:xfrm>
+            <a:off x="150208" y="5998868"/>
+            <a:ext cx="744069" cy="714826"/>
+          </a:xfrm>
+          <a:prstGeom prst="rect">
+            <a:avLst/>
+          </a:prstGeom>
+        </p:spPr>
+      </p:pic>
+      <p:sp>
+        <p:nvSpPr>
+          <p:cNvPr id="15" name="TextBox 14"/>
+          <p:cNvSpPr txBox="1"/>
+          <p:nvPr/>
+        </p:nvSpPr>
+        <p:spPr>
+          <a:xfrm>
+            <a:off x="559872" y="274167"/>
+            <a:ext cx="8029377" cy="707886"/>
+          </a:xfrm>
+          <a:prstGeom prst="rect">
+            <a:avLst/>
+          </a:prstGeom>
+          <a:noFill/>
+        </p:spPr>
+        <p:txBody>
+          <a:bodyPr wrap="square" rtlCol="0">
+            <a:spAutoFit/>
+          </a:bodyPr>
+          <a:lstStyle/>
+          <a:p>
+            <a:pPr algn="ctr"/>
+            <a:r>
+              <a:rPr lang="en-US" sz="4000" dirty="0" smtClean="0">
+                <a:solidFill>
+                  <a:schemeClr val="tx1">
+                    <a:lumMod val="65000"/>
+                    <a:lumOff val="35000"/>
+                  </a:schemeClr>
+                </a:solidFill>
+                <a:latin typeface="Helvetica Neue Light"/>
+                <a:cs typeface="Helvetica Neue Light"/>
+              </a:rPr>
+              <a:t>Drone API</a:t>
+            </a:r>
+            <a:endParaRPr lang="en-US" sz="4000" dirty="0">
+              <a:solidFill>
+                <a:schemeClr val="tx1">
+                  <a:lumMod val="65000"/>
+                  <a:lumOff val="35000"/>
+                </a:schemeClr>
+              </a:solidFill>
+              <a:latin typeface="Helvetica Neue Light"/>
+              <a:cs typeface="Helvetica Neue Light"/>
+            </a:endParaRPr>
+          </a:p>
+        </p:txBody>
+      </p:sp>
+      <p:sp>
+        <p:nvSpPr>
+          <p:cNvPr id="2" name="TextBox 1"/>
+          <p:cNvSpPr txBox="1"/>
+          <p:nvPr/>
+        </p:nvSpPr>
+        <p:spPr>
+          <a:xfrm>
+            <a:off x="382352" y="1228910"/>
+            <a:ext cx="2307764" cy="4524316"/>
+          </a:xfrm>
+          <a:prstGeom prst="rect">
+            <a:avLst/>
+          </a:prstGeom>
+          <a:solidFill>
+            <a:schemeClr val="tx1"/>
+          </a:solidFill>
+          <a:ln>
+            <a:solidFill>
+              <a:schemeClr val="tx1"/>
+            </a:solidFill>
+          </a:ln>
+        </p:spPr>
+        <p:txBody>
+          <a:bodyPr wrap="square" rtlCol="0">
+            <a:spAutoFit/>
+          </a:bodyPr>
+          <a:lstStyle/>
+          <a:p>
+            <a:r>
+              <a:rPr lang="en-US" u="sng" dirty="0" smtClean="0">
+                <a:solidFill>
+                  <a:srgbClr val="FFFFFF"/>
+                </a:solidFill>
+                <a:latin typeface="Helvetica Neue"/>
+                <a:cs typeface="Helvetica Neue"/>
+              </a:rPr>
+              <a:t>Methods:</a:t>
+            </a:r>
+          </a:p>
+          <a:p>
+            <a:endParaRPr lang="en-US" dirty="0">
+              <a:solidFill>
+                <a:srgbClr val="FFFFFF"/>
+              </a:solidFill>
+              <a:latin typeface="Helvetica Neue"/>
+              <a:cs typeface="Helvetica Neue"/>
+            </a:endParaRPr>
+          </a:p>
+          <a:p>
+            <a:r>
+              <a:rPr lang="en-US" dirty="0" smtClean="0">
+                <a:solidFill>
+                  <a:srgbClr val="FFFFFF"/>
+                </a:solidFill>
+                <a:latin typeface="Courier"/>
+                <a:cs typeface="Courier"/>
+              </a:rPr>
+              <a:t>takeoff()</a:t>
+            </a:r>
+          </a:p>
+          <a:p>
+            <a:r>
+              <a:rPr lang="en-US" dirty="0" smtClean="0">
+                <a:solidFill>
+                  <a:srgbClr val="FFFFFF"/>
+                </a:solidFill>
+                <a:latin typeface="Courier"/>
+                <a:cs typeface="Courier"/>
+              </a:rPr>
+              <a:t>land()</a:t>
+            </a:r>
+          </a:p>
+          <a:p>
+            <a:r>
+              <a:rPr lang="en-US" dirty="0">
+                <a:solidFill>
+                  <a:srgbClr val="FFFFFF"/>
+                </a:solidFill>
+                <a:latin typeface="Courier"/>
+                <a:cs typeface="Courier"/>
+              </a:rPr>
+              <a:t>h</a:t>
+            </a:r>
+            <a:r>
+              <a:rPr lang="en-US" dirty="0" smtClean="0">
+                <a:solidFill>
+                  <a:srgbClr val="FFFFFF"/>
+                </a:solidFill>
+                <a:latin typeface="Courier"/>
+                <a:cs typeface="Courier"/>
+              </a:rPr>
+              <a:t>over()</a:t>
+            </a:r>
+          </a:p>
+          <a:p>
+            <a:r>
+              <a:rPr lang="en-US" dirty="0" err="1" smtClean="0">
+                <a:solidFill>
+                  <a:srgbClr val="FFFFFF"/>
+                </a:solidFill>
+                <a:latin typeface="Courier"/>
+                <a:cs typeface="Courier"/>
+              </a:rPr>
+              <a:t>move_forward</a:t>
+            </a:r>
+            <a:r>
+              <a:rPr lang="en-US" dirty="0" smtClean="0">
+                <a:solidFill>
+                  <a:srgbClr val="FFFFFF"/>
+                </a:solidFill>
+                <a:latin typeface="Courier"/>
+                <a:cs typeface="Courier"/>
+              </a:rPr>
+              <a:t>()</a:t>
+            </a:r>
+          </a:p>
+          <a:p>
+            <a:r>
+              <a:rPr lang="en-US" dirty="0" err="1" smtClean="0">
+                <a:solidFill>
+                  <a:srgbClr val="FFFFFF"/>
+                </a:solidFill>
+                <a:latin typeface="Courier"/>
+                <a:cs typeface="Courier"/>
+              </a:rPr>
+              <a:t>move_backward</a:t>
+            </a:r>
+            <a:r>
+              <a:rPr lang="en-US" dirty="0" smtClean="0">
+                <a:solidFill>
+                  <a:srgbClr val="FFFFFF"/>
+                </a:solidFill>
+                <a:latin typeface="Courier"/>
+                <a:cs typeface="Courier"/>
+              </a:rPr>
+              <a:t>()</a:t>
+            </a:r>
+          </a:p>
+          <a:p>
+            <a:r>
+              <a:rPr lang="en-US" dirty="0" err="1" smtClean="0">
+                <a:solidFill>
+                  <a:srgbClr val="FFFFFF"/>
+                </a:solidFill>
+                <a:latin typeface="Courier"/>
+                <a:cs typeface="Courier"/>
+              </a:rPr>
+              <a:t>move_up</a:t>
+            </a:r>
+            <a:r>
+              <a:rPr lang="en-US" dirty="0" smtClean="0">
+                <a:solidFill>
+                  <a:srgbClr val="FFFFFF"/>
+                </a:solidFill>
+                <a:latin typeface="Courier"/>
+                <a:cs typeface="Courier"/>
+              </a:rPr>
+              <a:t>()</a:t>
+            </a:r>
+          </a:p>
+          <a:p>
+            <a:r>
+              <a:rPr lang="en-US" dirty="0" err="1" smtClean="0">
+                <a:solidFill>
+                  <a:srgbClr val="FFFFFF"/>
+                </a:solidFill>
+                <a:latin typeface="Courier"/>
+                <a:cs typeface="Courier"/>
+              </a:rPr>
+              <a:t>move_down</a:t>
+            </a:r>
+            <a:r>
+              <a:rPr lang="en-US" dirty="0" smtClean="0">
+                <a:solidFill>
+                  <a:srgbClr val="FFFFFF"/>
+                </a:solidFill>
+                <a:latin typeface="Courier"/>
+                <a:cs typeface="Courier"/>
+              </a:rPr>
+              <a:t>()</a:t>
+            </a:r>
+          </a:p>
+          <a:p>
+            <a:r>
+              <a:rPr lang="en-US" dirty="0" err="1">
+                <a:solidFill>
+                  <a:srgbClr val="FFFFFF"/>
+                </a:solidFill>
+                <a:latin typeface="Courier"/>
+                <a:cs typeface="Courier"/>
+              </a:rPr>
+              <a:t>m</a:t>
+            </a:r>
+            <a:r>
+              <a:rPr lang="en-US" dirty="0" err="1" smtClean="0">
+                <a:solidFill>
+                  <a:srgbClr val="FFFFFF"/>
+                </a:solidFill>
+                <a:latin typeface="Courier"/>
+                <a:cs typeface="Courier"/>
+              </a:rPr>
+              <a:t>ove_left</a:t>
+            </a:r>
+            <a:r>
+              <a:rPr lang="en-US" dirty="0" smtClean="0">
+                <a:solidFill>
+                  <a:srgbClr val="FFFFFF"/>
+                </a:solidFill>
+                <a:latin typeface="Courier"/>
+                <a:cs typeface="Courier"/>
+              </a:rPr>
+              <a:t>()</a:t>
+            </a:r>
+          </a:p>
+          <a:p>
+            <a:r>
+              <a:rPr lang="en-US" dirty="0" err="1" smtClean="0">
+                <a:solidFill>
+                  <a:srgbClr val="FFFFFF"/>
+                </a:solidFill>
+                <a:latin typeface="Courier"/>
+                <a:cs typeface="Courier"/>
+              </a:rPr>
+              <a:t>move_right</a:t>
+            </a:r>
+            <a:r>
+              <a:rPr lang="en-US" dirty="0" smtClean="0">
+                <a:solidFill>
+                  <a:srgbClr val="FFFFFF"/>
+                </a:solidFill>
+                <a:latin typeface="Courier"/>
+                <a:cs typeface="Courier"/>
+              </a:rPr>
+              <a:t>()</a:t>
+            </a:r>
+          </a:p>
+          <a:p>
+            <a:r>
+              <a:rPr lang="en-US" dirty="0" err="1" smtClean="0">
+                <a:solidFill>
+                  <a:srgbClr val="FFFFFF"/>
+                </a:solidFill>
+                <a:latin typeface="Courier"/>
+                <a:cs typeface="Courier"/>
+              </a:rPr>
+              <a:t>turn_right</a:t>
+            </a:r>
+            <a:r>
+              <a:rPr lang="en-US" dirty="0" smtClean="0">
+                <a:solidFill>
+                  <a:srgbClr val="FFFFFF"/>
+                </a:solidFill>
+                <a:latin typeface="Courier"/>
+                <a:cs typeface="Courier"/>
+              </a:rPr>
+              <a:t>()</a:t>
+            </a:r>
+          </a:p>
+          <a:p>
+            <a:r>
+              <a:rPr lang="en-US" dirty="0" err="1" smtClean="0">
+                <a:solidFill>
+                  <a:srgbClr val="FFFFFF"/>
+                </a:solidFill>
+                <a:latin typeface="Courier"/>
+                <a:cs typeface="Courier"/>
+              </a:rPr>
+              <a:t>turn_left</a:t>
+            </a:r>
+            <a:r>
+              <a:rPr lang="en-US" dirty="0" smtClean="0">
+                <a:solidFill>
+                  <a:srgbClr val="FFFFFF"/>
+                </a:solidFill>
+                <a:latin typeface="Courier"/>
+                <a:cs typeface="Courier"/>
+              </a:rPr>
+              <a:t>()</a:t>
+            </a:r>
+          </a:p>
+          <a:p>
+            <a:r>
+              <a:rPr lang="en-US" dirty="0" err="1" smtClean="0">
+                <a:solidFill>
+                  <a:srgbClr val="FFFFFF"/>
+                </a:solidFill>
+                <a:latin typeface="Courier"/>
+                <a:cs typeface="Courier"/>
+              </a:rPr>
+              <a:t>save_photo</a:t>
+            </a:r>
+            <a:r>
+              <a:rPr lang="en-US" dirty="0" smtClean="0">
+                <a:solidFill>
+                  <a:srgbClr val="FFFFFF"/>
+                </a:solidFill>
+                <a:latin typeface="Courier"/>
+                <a:cs typeface="Courier"/>
+              </a:rPr>
+              <a:t>()</a:t>
+            </a:r>
+          </a:p>
+          <a:p>
+            <a:r>
+              <a:rPr lang="en-US" dirty="0" smtClean="0">
+                <a:solidFill>
+                  <a:srgbClr val="FFFFFF"/>
+                </a:solidFill>
+                <a:latin typeface="Courier"/>
+                <a:cs typeface="Courier"/>
+              </a:rPr>
+              <a:t>halt()</a:t>
+            </a:r>
+          </a:p>
+          <a:p>
+            <a:endParaRPr lang="en-US" dirty="0">
+              <a:solidFill>
+                <a:srgbClr val="FFFFFF"/>
+              </a:solidFill>
+            </a:endParaRPr>
+          </a:p>
+        </p:txBody>
+      </p:sp>
+      <p:sp>
+        <p:nvSpPr>
+          <p:cNvPr id="8" name="TextBox 7"/>
+          <p:cNvSpPr txBox="1"/>
+          <p:nvPr/>
+        </p:nvSpPr>
+        <p:spPr>
+          <a:xfrm>
+            <a:off x="2951759" y="1228910"/>
+            <a:ext cx="1486247" cy="1477328"/>
+          </a:xfrm>
+          <a:prstGeom prst="rect">
+            <a:avLst/>
+          </a:prstGeom>
+          <a:solidFill>
+            <a:srgbClr val="000000"/>
+          </a:solidFill>
+          <a:ln>
+            <a:solidFill>
+              <a:srgbClr val="000000"/>
+            </a:solidFill>
+          </a:ln>
+        </p:spPr>
+        <p:txBody>
+          <a:bodyPr wrap="square" rtlCol="0">
+            <a:spAutoFit/>
+          </a:bodyPr>
+          <a:lstStyle/>
+          <a:p>
+            <a:r>
+              <a:rPr lang="en-US" u="sng" dirty="0" smtClean="0">
+                <a:solidFill>
+                  <a:schemeClr val="bg1"/>
+                </a:solidFill>
+                <a:latin typeface="Helvetica Neue"/>
+                <a:cs typeface="Helvetica Neue"/>
+              </a:rPr>
+              <a:t>Attributes:</a:t>
+            </a:r>
+          </a:p>
+          <a:p>
+            <a:endParaRPr lang="en-US" dirty="0">
+              <a:solidFill>
+                <a:schemeClr val="bg1"/>
+              </a:solidFill>
+              <a:latin typeface="Helvetica Neue"/>
+              <a:cs typeface="Helvetica Neue"/>
+            </a:endParaRPr>
+          </a:p>
+          <a:p>
+            <a:r>
+              <a:rPr lang="en-US" dirty="0" smtClean="0">
+                <a:solidFill>
+                  <a:schemeClr val="bg1"/>
+                </a:solidFill>
+                <a:latin typeface="Courier"/>
+                <a:cs typeface="Courier"/>
+              </a:rPr>
+              <a:t>image</a:t>
+            </a:r>
+          </a:p>
+          <a:p>
+            <a:r>
+              <a:rPr lang="en-US" dirty="0" err="1" smtClean="0">
+                <a:solidFill>
+                  <a:schemeClr val="bg1"/>
+                </a:solidFill>
+                <a:latin typeface="Courier"/>
+                <a:cs typeface="Courier"/>
+              </a:rPr>
+              <a:t>team_name</a:t>
+            </a:r>
+            <a:endParaRPr lang="en-US" dirty="0" smtClean="0">
+              <a:solidFill>
+                <a:schemeClr val="bg1"/>
+              </a:solidFill>
+              <a:latin typeface="Courier"/>
+              <a:cs typeface="Courier"/>
+            </a:endParaRPr>
+          </a:p>
+          <a:p>
+            <a:endParaRPr lang="en-US" dirty="0">
+              <a:solidFill>
+                <a:schemeClr val="bg1"/>
+              </a:solidFill>
+            </a:endParaRPr>
+          </a:p>
+        </p:txBody>
+      </p:sp>
+      <p:sp>
+        <p:nvSpPr>
+          <p:cNvPr id="9" name="TextBox 8"/>
+          <p:cNvSpPr txBox="1"/>
+          <p:nvPr/>
+        </p:nvSpPr>
+        <p:spPr>
+          <a:xfrm>
+            <a:off x="4838397" y="1228910"/>
+            <a:ext cx="3942028" cy="1908215"/>
+          </a:xfrm>
+          <a:prstGeom prst="rect">
+            <a:avLst/>
+          </a:prstGeom>
+          <a:noFill/>
+          <a:ln>
+            <a:solidFill>
+              <a:srgbClr val="000000"/>
+            </a:solidFill>
+          </a:ln>
+        </p:spPr>
+        <p:txBody>
+          <a:bodyPr wrap="square" rtlCol="0">
+            <a:spAutoFit/>
+          </a:bodyPr>
+          <a:lstStyle/>
+          <a:p>
+            <a:r>
+              <a:rPr lang="en-US" sz="1600" dirty="0" smtClean="0">
+                <a:latin typeface="Helvetica Neue"/>
+                <a:cs typeface="Helvetica Neue"/>
+              </a:rPr>
+              <a:t>Example: Simple takeoff and land</a:t>
+            </a:r>
+          </a:p>
+          <a:p>
+            <a:endParaRPr lang="en-US" dirty="0">
+              <a:latin typeface="Helvetica Neue"/>
+              <a:cs typeface="Helvetica Neue"/>
+            </a:endParaRPr>
+          </a:p>
+          <a:p>
+            <a:r>
+              <a:rPr lang="en-US" sz="1400" dirty="0">
+                <a:latin typeface="Courier"/>
+                <a:cs typeface="Courier"/>
+              </a:rPr>
+              <a:t>i</a:t>
+            </a:r>
+            <a:r>
+              <a:rPr lang="en-US" sz="1400" dirty="0" smtClean="0">
+                <a:latin typeface="Courier"/>
+                <a:cs typeface="Courier"/>
+              </a:rPr>
+              <a:t>mport </a:t>
+            </a:r>
+            <a:r>
+              <a:rPr lang="en-US" sz="1400" dirty="0" err="1" smtClean="0">
+                <a:latin typeface="Courier"/>
+                <a:cs typeface="Courier"/>
+              </a:rPr>
+              <a:t>cardiff_drone</a:t>
+            </a:r>
+            <a:endParaRPr lang="en-US" sz="1400" dirty="0" smtClean="0">
+              <a:latin typeface="Courier"/>
+              <a:cs typeface="Courier"/>
+            </a:endParaRPr>
+          </a:p>
+          <a:p>
+            <a:r>
+              <a:rPr lang="en-US" sz="1400" dirty="0">
+                <a:latin typeface="Courier"/>
+                <a:cs typeface="Courier"/>
+              </a:rPr>
+              <a:t>d</a:t>
+            </a:r>
+            <a:r>
+              <a:rPr lang="en-US" sz="1400" dirty="0" smtClean="0">
+                <a:latin typeface="Courier"/>
+                <a:cs typeface="Courier"/>
+              </a:rPr>
+              <a:t>rone = </a:t>
+            </a:r>
+            <a:r>
+              <a:rPr lang="en-US" sz="1400" dirty="0" err="1" smtClean="0">
+                <a:latin typeface="Courier"/>
+                <a:cs typeface="Courier"/>
+              </a:rPr>
+              <a:t>cardiff_drone.Drone</a:t>
+            </a:r>
+            <a:r>
+              <a:rPr lang="en-US" sz="1400" dirty="0" smtClean="0">
+                <a:latin typeface="Courier"/>
+                <a:cs typeface="Courier"/>
+              </a:rPr>
+              <a:t>()</a:t>
+            </a:r>
+          </a:p>
+          <a:p>
+            <a:r>
+              <a:rPr lang="en-US" sz="1400" dirty="0" err="1">
+                <a:latin typeface="Courier"/>
+                <a:cs typeface="Courier"/>
+              </a:rPr>
+              <a:t>d</a:t>
+            </a:r>
+            <a:r>
+              <a:rPr lang="en-US" sz="1400" dirty="0" err="1" smtClean="0">
+                <a:latin typeface="Courier"/>
+                <a:cs typeface="Courier"/>
+              </a:rPr>
+              <a:t>rone.team_name</a:t>
+            </a:r>
+            <a:r>
+              <a:rPr lang="en-US" sz="1400" dirty="0" smtClean="0">
+                <a:latin typeface="Courier"/>
+                <a:cs typeface="Courier"/>
+              </a:rPr>
+              <a:t> = “TEAM NAME”</a:t>
+            </a:r>
+          </a:p>
+          <a:p>
+            <a:r>
+              <a:rPr lang="en-US" sz="1400" b="1" dirty="0" err="1">
+                <a:latin typeface="Courier"/>
+                <a:cs typeface="Courier"/>
+              </a:rPr>
+              <a:t>d</a:t>
+            </a:r>
+            <a:r>
+              <a:rPr lang="en-US" sz="1400" b="1" dirty="0" err="1" smtClean="0">
+                <a:latin typeface="Courier"/>
+                <a:cs typeface="Courier"/>
+              </a:rPr>
+              <a:t>rone.takeoff</a:t>
+            </a:r>
+            <a:r>
+              <a:rPr lang="en-US" sz="1400" b="1" dirty="0" smtClean="0">
+                <a:latin typeface="Courier"/>
+                <a:cs typeface="Courier"/>
+              </a:rPr>
+              <a:t>()</a:t>
+            </a:r>
+          </a:p>
+          <a:p>
+            <a:r>
+              <a:rPr lang="en-US" sz="1400" b="1" dirty="0" err="1">
+                <a:latin typeface="Courier"/>
+                <a:cs typeface="Courier"/>
+              </a:rPr>
+              <a:t>d</a:t>
+            </a:r>
+            <a:r>
+              <a:rPr lang="en-US" sz="1400" b="1" dirty="0" err="1" smtClean="0">
+                <a:latin typeface="Courier"/>
+                <a:cs typeface="Courier"/>
+              </a:rPr>
+              <a:t>rone.land</a:t>
+            </a:r>
+            <a:r>
+              <a:rPr lang="en-US" sz="1400" b="1" dirty="0" smtClean="0">
+                <a:latin typeface="Courier"/>
+                <a:cs typeface="Courier"/>
+              </a:rPr>
+              <a:t>()</a:t>
+            </a:r>
+          </a:p>
+          <a:p>
+            <a:r>
+              <a:rPr lang="en-US" sz="1400" dirty="0" err="1">
+                <a:latin typeface="Courier"/>
+                <a:cs typeface="Courier"/>
+              </a:rPr>
+              <a:t>d</a:t>
+            </a:r>
+            <a:r>
+              <a:rPr lang="en-US" sz="1400" dirty="0" err="1" smtClean="0">
+                <a:latin typeface="Courier"/>
+                <a:cs typeface="Courier"/>
+              </a:rPr>
+              <a:t>rone.halt</a:t>
+            </a:r>
+            <a:r>
+              <a:rPr lang="en-US" sz="1400" dirty="0" smtClean="0">
+                <a:latin typeface="Courier"/>
+                <a:cs typeface="Courier"/>
+              </a:rPr>
+              <a:t>()</a:t>
+            </a:r>
+          </a:p>
+        </p:txBody>
+      </p:sp>
+      <p:sp>
+        <p:nvSpPr>
+          <p:cNvPr id="10" name="TextBox 9"/>
+          <p:cNvSpPr txBox="1"/>
+          <p:nvPr/>
+        </p:nvSpPr>
+        <p:spPr>
+          <a:xfrm>
+            <a:off x="4838397" y="3389844"/>
+            <a:ext cx="3942028" cy="2339102"/>
+          </a:xfrm>
+          <a:prstGeom prst="rect">
+            <a:avLst/>
+          </a:prstGeom>
+          <a:noFill/>
+          <a:ln>
+            <a:solidFill>
+              <a:srgbClr val="000000"/>
+            </a:solidFill>
+          </a:ln>
+        </p:spPr>
+        <p:txBody>
+          <a:bodyPr wrap="square" rtlCol="0">
+            <a:spAutoFit/>
+          </a:bodyPr>
+          <a:lstStyle/>
+          <a:p>
+            <a:r>
+              <a:rPr lang="en-US" sz="1600" dirty="0" smtClean="0">
+                <a:latin typeface="Helvetica Neue"/>
+                <a:cs typeface="Helvetica Neue"/>
+              </a:rPr>
+              <a:t>Example: Takeoff, take photo, land</a:t>
+            </a:r>
+          </a:p>
+          <a:p>
+            <a:endParaRPr lang="en-US" dirty="0">
+              <a:latin typeface="Helvetica Neue"/>
+              <a:cs typeface="Helvetica Neue"/>
+            </a:endParaRPr>
+          </a:p>
+          <a:p>
+            <a:r>
+              <a:rPr lang="en-US" sz="1400" dirty="0">
+                <a:latin typeface="Courier"/>
+                <a:cs typeface="Courier"/>
+              </a:rPr>
+              <a:t>i</a:t>
+            </a:r>
+            <a:r>
+              <a:rPr lang="en-US" sz="1400" dirty="0" smtClean="0">
+                <a:latin typeface="Courier"/>
+                <a:cs typeface="Courier"/>
+              </a:rPr>
+              <a:t>mport </a:t>
+            </a:r>
+            <a:r>
+              <a:rPr lang="en-US" sz="1400" dirty="0" err="1" smtClean="0">
+                <a:latin typeface="Courier"/>
+                <a:cs typeface="Courier"/>
+              </a:rPr>
+              <a:t>cardiff_drone</a:t>
+            </a:r>
+            <a:endParaRPr lang="en-US" sz="1400" dirty="0" smtClean="0">
+              <a:latin typeface="Courier"/>
+              <a:cs typeface="Courier"/>
+            </a:endParaRPr>
+          </a:p>
+          <a:p>
+            <a:r>
+              <a:rPr lang="en-US" sz="1400" dirty="0">
+                <a:latin typeface="Courier"/>
+                <a:cs typeface="Courier"/>
+              </a:rPr>
+              <a:t>d</a:t>
+            </a:r>
+            <a:r>
+              <a:rPr lang="en-US" sz="1400" dirty="0" smtClean="0">
+                <a:latin typeface="Courier"/>
+                <a:cs typeface="Courier"/>
+              </a:rPr>
+              <a:t>rone = </a:t>
+            </a:r>
+            <a:r>
+              <a:rPr lang="en-US" sz="1400" dirty="0" err="1" smtClean="0">
+                <a:latin typeface="Courier"/>
+                <a:cs typeface="Courier"/>
+              </a:rPr>
+              <a:t>cardiff_drone.Drone</a:t>
+            </a:r>
+            <a:r>
+              <a:rPr lang="en-US" sz="1400" dirty="0" smtClean="0">
+                <a:latin typeface="Courier"/>
+                <a:cs typeface="Courier"/>
+              </a:rPr>
+              <a:t>()</a:t>
+            </a:r>
+          </a:p>
+          <a:p>
+            <a:r>
+              <a:rPr lang="en-US" sz="1400" dirty="0" err="1" smtClean="0">
+                <a:latin typeface="Courier"/>
+                <a:cs typeface="Courier"/>
+              </a:rPr>
+              <a:t>drone.team_name</a:t>
+            </a:r>
+            <a:r>
+              <a:rPr lang="en-US" sz="1400" dirty="0" smtClean="0">
+                <a:latin typeface="Courier"/>
+                <a:cs typeface="Courier"/>
+              </a:rPr>
+              <a:t> = “TEAM NAME”</a:t>
+            </a:r>
+          </a:p>
+          <a:p>
+            <a:r>
+              <a:rPr lang="en-US" sz="1400" b="1" dirty="0" err="1">
+                <a:latin typeface="Courier"/>
+                <a:cs typeface="Courier"/>
+              </a:rPr>
+              <a:t>d</a:t>
+            </a:r>
+            <a:r>
+              <a:rPr lang="en-US" sz="1400" b="1" dirty="0" err="1" smtClean="0">
+                <a:latin typeface="Courier"/>
+                <a:cs typeface="Courier"/>
+              </a:rPr>
+              <a:t>rone.takeoff</a:t>
+            </a:r>
+            <a:r>
+              <a:rPr lang="en-US" sz="1400" b="1" dirty="0" smtClean="0">
+                <a:latin typeface="Courier"/>
+                <a:cs typeface="Courier"/>
+              </a:rPr>
+              <a:t>()</a:t>
+            </a:r>
+          </a:p>
+          <a:p>
+            <a:r>
+              <a:rPr lang="en-US" sz="1400" b="1" dirty="0">
+                <a:latin typeface="Courier"/>
+                <a:cs typeface="Courier"/>
+              </a:rPr>
+              <a:t>p</a:t>
+            </a:r>
+            <a:r>
+              <a:rPr lang="en-US" sz="1400" b="1" dirty="0" smtClean="0">
+                <a:latin typeface="Courier"/>
+                <a:cs typeface="Courier"/>
+              </a:rPr>
+              <a:t>hoto = </a:t>
+            </a:r>
+            <a:r>
+              <a:rPr lang="en-US" sz="1400" b="1" dirty="0" err="1" smtClean="0">
+                <a:latin typeface="Courier"/>
+                <a:cs typeface="Courier"/>
+              </a:rPr>
+              <a:t>drone.image</a:t>
+            </a:r>
+            <a:endParaRPr lang="en-US" sz="1400" b="1" dirty="0" smtClean="0">
+              <a:latin typeface="Courier"/>
+              <a:cs typeface="Courier"/>
+            </a:endParaRPr>
+          </a:p>
+          <a:p>
+            <a:r>
+              <a:rPr lang="en-US" sz="1400" b="1" dirty="0" err="1">
+                <a:latin typeface="Courier"/>
+                <a:cs typeface="Courier"/>
+              </a:rPr>
+              <a:t>d</a:t>
+            </a:r>
+            <a:r>
+              <a:rPr lang="en-US" sz="1400" b="1" dirty="0" err="1" smtClean="0">
+                <a:latin typeface="Courier"/>
+                <a:cs typeface="Courier"/>
+              </a:rPr>
+              <a:t>rone.save_photo</a:t>
+            </a:r>
+            <a:r>
+              <a:rPr lang="en-US" sz="1400" b="1" dirty="0" smtClean="0">
+                <a:latin typeface="Courier"/>
+                <a:cs typeface="Courier"/>
+              </a:rPr>
+              <a:t>(photo)</a:t>
+            </a:r>
+          </a:p>
+          <a:p>
+            <a:r>
+              <a:rPr lang="en-US" sz="1400" b="1" dirty="0" err="1">
+                <a:latin typeface="Courier"/>
+                <a:cs typeface="Courier"/>
+              </a:rPr>
+              <a:t>d</a:t>
+            </a:r>
+            <a:r>
+              <a:rPr lang="en-US" sz="1400" b="1" dirty="0" err="1" smtClean="0">
+                <a:latin typeface="Courier"/>
+                <a:cs typeface="Courier"/>
+              </a:rPr>
+              <a:t>rone.land</a:t>
+            </a:r>
+            <a:r>
+              <a:rPr lang="en-US" sz="1400" b="1" dirty="0" smtClean="0">
+                <a:latin typeface="Courier"/>
+                <a:cs typeface="Courier"/>
+              </a:rPr>
+              <a:t>()</a:t>
+            </a:r>
+          </a:p>
+          <a:p>
+            <a:r>
+              <a:rPr lang="en-US" sz="1400" dirty="0" err="1">
+                <a:latin typeface="Courier"/>
+                <a:cs typeface="Courier"/>
+              </a:rPr>
+              <a:t>d</a:t>
+            </a:r>
+            <a:r>
+              <a:rPr lang="en-US" sz="1400" dirty="0" err="1" smtClean="0">
+                <a:latin typeface="Courier"/>
+                <a:cs typeface="Courier"/>
+              </a:rPr>
+              <a:t>rone.halt</a:t>
+            </a:r>
+            <a:r>
+              <a:rPr lang="en-US" sz="1400" dirty="0" smtClean="0">
+                <a:latin typeface="Courier"/>
+                <a:cs typeface="Courier"/>
+              </a:rPr>
+              <a:t>()</a:t>
+            </a:r>
+          </a:p>
+        </p:txBody>
+      </p:sp>
+    </p:spTree>
+    <p:extLst>
+      <p:ext uri="{BB962C8B-B14F-4D97-AF65-F5344CB8AC3E}">
+        <p14:creationId xmlns:p14="http://schemas.microsoft.com/office/powerpoint/2010/main" val="3154242686"/>
+      </p:ext>
+    </p:extLst>
+  </p:cSld>
+  <p:clrMapOvr>
+    <a:masterClrMapping/>
+  </p:clrMapOvr>
+  <p:timing>
+    <p:tnLst>
+      <p:par>
+        <p:cTn xmlns:p14="http://schemas.microsoft.com/office/powerpoint/2010/main" id="1" dur="indefinite" restart="never" nodeType="tmRoot"/>
+      </p:par>
+    </p:tnLst>
+  </p:timing>
 </p:sld>
 </file>
 
@@ -6404,6 +7649,13 @@
   <p:clrMapOvr>
     <a:masterClrMapping/>
   </p:clrMapOvr>
+  <p:timing>
+    <p:tnLst>
+      <p:par>
+        <p:cTn xmlns:p14="http://schemas.microsoft.com/office/powerpoint/2010/main" id="1" dur="indefinite" restart="never" nodeType="tmRoot"/>
+      </p:par>
+    </p:tnLst>
+  </p:timing>
 </p:sld>
 </file>
 
@@ -6748,6 +8000,13 @@
   <p:clrMapOvr>
     <a:masterClrMapping/>
   </p:clrMapOvr>
+  <p:timing>
+    <p:tnLst>
+      <p:par>
+        <p:cTn xmlns:p14="http://schemas.microsoft.com/office/powerpoint/2010/main" id="1" dur="indefinite" restart="never" nodeType="tmRoot"/>
+      </p:par>
+    </p:tnLst>
+  </p:timing>
 </p:sld>
 </file>
 
@@ -7116,6 +8375,13 @@
   <p:clrMapOvr>
     <a:masterClrMapping/>
   </p:clrMapOvr>
+  <p:timing>
+    <p:tnLst>
+      <p:par>
+        <p:cTn xmlns:p14="http://schemas.microsoft.com/office/powerpoint/2010/main" id="1" dur="indefinite" restart="never" nodeType="tmRoot"/>
+      </p:par>
+    </p:tnLst>
+  </p:timing>
 </p:sld>
 </file>
 
@@ -7676,6 +8942,13 @@
   <p:clrMapOvr>
     <a:masterClrMapping/>
   </p:clrMapOvr>
+  <p:timing>
+    <p:tnLst>
+      <p:par>
+        <p:cTn xmlns:p14="http://schemas.microsoft.com/office/powerpoint/2010/main" id="1" dur="indefinite" restart="never" nodeType="tmRoot"/>
+      </p:par>
+    </p:tnLst>
+  </p:timing>
 </p:sld>
 </file>
 
@@ -7879,6 +9152,13 @@
   <p:clrMapOvr>
     <a:masterClrMapping/>
   </p:clrMapOvr>
+  <p:timing>
+    <p:tnLst>
+      <p:par>
+        <p:cTn xmlns:p14="http://schemas.microsoft.com/office/powerpoint/2010/main" id="1" dur="indefinite" restart="never" nodeType="tmRoot"/>
+      </p:par>
+    </p:tnLst>
+  </p:timing>
 </p:sld>
 </file>
 
@@ -8305,6 +9585,13 @@
   <p:clrMapOvr>
     <a:masterClrMapping/>
   </p:clrMapOvr>
+  <p:timing>
+    <p:tnLst>
+      <p:par>
+        <p:cTn xmlns:p14="http://schemas.microsoft.com/office/powerpoint/2010/main" id="1" dur="indefinite" restart="never" nodeType="tmRoot"/>
+      </p:par>
+    </p:tnLst>
+  </p:timing>
 </p:sld>
 </file>
 
@@ -9004,6 +10291,13 @@
   <p:clrMapOvr>
     <a:masterClrMapping/>
   </p:clrMapOvr>
+  <p:timing>
+    <p:tnLst>
+      <p:par>
+        <p:cTn xmlns:p14="http://schemas.microsoft.com/office/powerpoint/2010/main" id="1" dur="indefinite" restart="never" nodeType="tmRoot"/>
+      </p:par>
+    </p:tnLst>
+  </p:timing>
 </p:sld>
 </file>
 
@@ -10660,6 +11954,13 @@
   <p:clrMapOvr>
     <a:masterClrMapping/>
   </p:clrMapOvr>
+  <p:timing>
+    <p:tnLst>
+      <p:par>
+        <p:cTn xmlns:p14="http://schemas.microsoft.com/office/powerpoint/2010/main" id="1" dur="indefinite" restart="never" nodeType="tmRoot"/>
+      </p:par>
+    </p:tnLst>
+  </p:timing>
 </p:sld>
 </file>
 
